--- a/lectures/Fast Forward Models 2018.pptx
+++ b/lectures/Fast Forward Models 2018.pptx
@@ -2,17 +2,19 @@
 <file path=ppt/presentation.xml><?xml version="1.0" encoding="utf-8"?>
 <p:presentation xmlns:a="http://schemas.openxmlformats.org/drawingml/2006/main" xmlns:r="http://schemas.openxmlformats.org/officeDocument/2006/relationships" xmlns:p="http://schemas.openxmlformats.org/presentationml/2006/main" saveSubsetFonts="1" autoCompressPictures="0">
   <p:sldMasterIdLst>
-    <p:sldMasterId id="2147483648" r:id="rId1"/>
+    <p:sldMasterId id="2147483660" r:id="rId1"/>
   </p:sldMasterIdLst>
   <p:notesMasterIdLst>
-    <p:notesMasterId r:id="rId7"/>
+    <p:notesMasterId r:id="rId9"/>
   </p:notesMasterIdLst>
   <p:sldIdLst>
     <p:sldId id="256" r:id="rId2"/>
     <p:sldId id="257" r:id="rId3"/>
     <p:sldId id="258" r:id="rId4"/>
-    <p:sldId id="260" r:id="rId5"/>
+    <p:sldId id="261" r:id="rId5"/>
     <p:sldId id="259" r:id="rId6"/>
+    <p:sldId id="260" r:id="rId7"/>
+    <p:sldId id="262" r:id="rId8"/>
   </p:sldIdLst>
   <p:sldSz cx="12192000" cy="6858000"/>
   <p:notesSz cx="6858000" cy="9144000"/>
@@ -577,7 +579,7 @@
           <p:cNvPr id="2" name="Title 1">
             <a:extLst>
               <a:ext uri="{FF2B5EF4-FFF2-40B4-BE49-F238E27FC236}">
-                <a16:creationId xmlns:a16="http://schemas.microsoft.com/office/drawing/2014/main" id="{B9BEBEA4-B438-DA41-8AC9-5E131F69F765}"/>
+                <a16:creationId xmlns:a16="http://schemas.microsoft.com/office/drawing/2014/main" id="{B1AC0602-8CC2-BD40-B1FF-4DADBD00B21A}"/>
               </a:ext>
             </a:extLst>
           </p:cNvPr>
@@ -614,7 +616,7 @@
           <p:cNvPr id="3" name="Subtitle 2">
             <a:extLst>
               <a:ext uri="{FF2B5EF4-FFF2-40B4-BE49-F238E27FC236}">
-                <a16:creationId xmlns:a16="http://schemas.microsoft.com/office/drawing/2014/main" id="{C2F7D8A5-473D-9746-84CC-ABDADE115E8E}"/>
+                <a16:creationId xmlns:a16="http://schemas.microsoft.com/office/drawing/2014/main" id="{087390E9-0830-F548-B2AE-58D5E44022A9}"/>
               </a:ext>
             </a:extLst>
           </p:cNvPr>
@@ -684,7 +686,7 @@
           <p:cNvPr id="4" name="Date Placeholder 3">
             <a:extLst>
               <a:ext uri="{FF2B5EF4-FFF2-40B4-BE49-F238E27FC236}">
-                <a16:creationId xmlns:a16="http://schemas.microsoft.com/office/drawing/2014/main" id="{633E2B64-B034-2C4D-90D5-4478BA37C548}"/>
+                <a16:creationId xmlns:a16="http://schemas.microsoft.com/office/drawing/2014/main" id="{4ECFF4E1-1D4A-F84F-BEA2-AE1BC9A71E75}"/>
               </a:ext>
             </a:extLst>
           </p:cNvPr>
@@ -713,7 +715,7 @@
           <p:cNvPr id="5" name="Footer Placeholder 4">
             <a:extLst>
               <a:ext uri="{FF2B5EF4-FFF2-40B4-BE49-F238E27FC236}">
-                <a16:creationId xmlns:a16="http://schemas.microsoft.com/office/drawing/2014/main" id="{71FD2F61-D535-9543-AD47-FE1E2336C29A}"/>
+                <a16:creationId xmlns:a16="http://schemas.microsoft.com/office/drawing/2014/main" id="{18A3335F-942E-7C45-9BF7-2C1A6D0435B2}"/>
               </a:ext>
             </a:extLst>
           </p:cNvPr>
@@ -738,7 +740,7 @@
           <p:cNvPr id="6" name="Slide Number Placeholder 5">
             <a:extLst>
               <a:ext uri="{FF2B5EF4-FFF2-40B4-BE49-F238E27FC236}">
-                <a16:creationId xmlns:a16="http://schemas.microsoft.com/office/drawing/2014/main" id="{C8758887-A9B4-B54E-BD58-B86158FA4E3E}"/>
+                <a16:creationId xmlns:a16="http://schemas.microsoft.com/office/drawing/2014/main" id="{4035E163-AE1F-A44A-BA94-39F38856A222}"/>
               </a:ext>
             </a:extLst>
           </p:cNvPr>
@@ -765,7 +767,7 @@
     </p:spTree>
     <p:extLst>
       <p:ext uri="{BB962C8B-B14F-4D97-AF65-F5344CB8AC3E}">
-        <p14:creationId xmlns:p14="http://schemas.microsoft.com/office/powerpoint/2010/main" val="2650893396"/>
+        <p14:creationId xmlns:p14="http://schemas.microsoft.com/office/powerpoint/2010/main" val="3300429032"/>
       </p:ext>
     </p:extLst>
   </p:cSld>
@@ -797,7 +799,7 @@
           <p:cNvPr id="2" name="Title 1">
             <a:extLst>
               <a:ext uri="{FF2B5EF4-FFF2-40B4-BE49-F238E27FC236}">
-                <a16:creationId xmlns:a16="http://schemas.microsoft.com/office/drawing/2014/main" id="{CE474B2D-DA94-594C-909E-D99E682449F5}"/>
+                <a16:creationId xmlns:a16="http://schemas.microsoft.com/office/drawing/2014/main" id="{71E68719-98C9-7F4F-9B54-92987FEE7D6F}"/>
               </a:ext>
             </a:extLst>
           </p:cNvPr>
@@ -825,7 +827,7 @@
           <p:cNvPr id="3" name="Vertical Text Placeholder 2">
             <a:extLst>
               <a:ext uri="{FF2B5EF4-FFF2-40B4-BE49-F238E27FC236}">
-                <a16:creationId xmlns:a16="http://schemas.microsoft.com/office/drawing/2014/main" id="{6DF71A0E-05AF-9743-9151-499A2A1B1239}"/>
+                <a16:creationId xmlns:a16="http://schemas.microsoft.com/office/drawing/2014/main" id="{31378F1F-D490-8D45-B8F2-ABD80A946962}"/>
               </a:ext>
             </a:extLst>
           </p:cNvPr>
@@ -882,7 +884,7 @@
           <p:cNvPr id="4" name="Date Placeholder 3">
             <a:extLst>
               <a:ext uri="{FF2B5EF4-FFF2-40B4-BE49-F238E27FC236}">
-                <a16:creationId xmlns:a16="http://schemas.microsoft.com/office/drawing/2014/main" id="{820950D0-9786-8C47-B661-255183CD25F6}"/>
+                <a16:creationId xmlns:a16="http://schemas.microsoft.com/office/drawing/2014/main" id="{A3CDB7E7-1DC0-4241-909B-7EF3FC60C754}"/>
               </a:ext>
             </a:extLst>
           </p:cNvPr>
@@ -911,7 +913,7 @@
           <p:cNvPr id="5" name="Footer Placeholder 4">
             <a:extLst>
               <a:ext uri="{FF2B5EF4-FFF2-40B4-BE49-F238E27FC236}">
-                <a16:creationId xmlns:a16="http://schemas.microsoft.com/office/drawing/2014/main" id="{3416F5A3-C2BB-9545-A82C-04252F2B929F}"/>
+                <a16:creationId xmlns:a16="http://schemas.microsoft.com/office/drawing/2014/main" id="{06B6D36D-07BB-0343-9953-46BFDCEDFC13}"/>
               </a:ext>
             </a:extLst>
           </p:cNvPr>
@@ -936,7 +938,7 @@
           <p:cNvPr id="6" name="Slide Number Placeholder 5">
             <a:extLst>
               <a:ext uri="{FF2B5EF4-FFF2-40B4-BE49-F238E27FC236}">
-                <a16:creationId xmlns:a16="http://schemas.microsoft.com/office/drawing/2014/main" id="{254726D8-1098-C647-B0C5-7FB78C88BA48}"/>
+                <a16:creationId xmlns:a16="http://schemas.microsoft.com/office/drawing/2014/main" id="{BC1F802D-7C30-8A4F-9321-468B29923ED3}"/>
               </a:ext>
             </a:extLst>
           </p:cNvPr>
@@ -963,7 +965,7 @@
     </p:spTree>
     <p:extLst>
       <p:ext uri="{BB962C8B-B14F-4D97-AF65-F5344CB8AC3E}">
-        <p14:creationId xmlns:p14="http://schemas.microsoft.com/office/powerpoint/2010/main" val="286667385"/>
+        <p14:creationId xmlns:p14="http://schemas.microsoft.com/office/powerpoint/2010/main" val="1279061570"/>
       </p:ext>
     </p:extLst>
   </p:cSld>
@@ -995,7 +997,7 @@
           <p:cNvPr id="2" name="Vertical Title 1">
             <a:extLst>
               <a:ext uri="{FF2B5EF4-FFF2-40B4-BE49-F238E27FC236}">
-                <a16:creationId xmlns:a16="http://schemas.microsoft.com/office/drawing/2014/main" id="{D3186833-CEA6-9A48-9026-1C87D93042CE}"/>
+                <a16:creationId xmlns:a16="http://schemas.microsoft.com/office/drawing/2014/main" id="{6096E885-B963-E143-8595-DEC8EFB55842}"/>
               </a:ext>
             </a:extLst>
           </p:cNvPr>
@@ -1028,7 +1030,7 @@
           <p:cNvPr id="3" name="Vertical Text Placeholder 2">
             <a:extLst>
               <a:ext uri="{FF2B5EF4-FFF2-40B4-BE49-F238E27FC236}">
-                <a16:creationId xmlns:a16="http://schemas.microsoft.com/office/drawing/2014/main" id="{C14BE833-2B94-8448-A7D8-BD2547FFD597}"/>
+                <a16:creationId xmlns:a16="http://schemas.microsoft.com/office/drawing/2014/main" id="{15782F3A-FB90-9C40-80D5-6FEA120E67CD}"/>
               </a:ext>
             </a:extLst>
           </p:cNvPr>
@@ -1090,7 +1092,7 @@
           <p:cNvPr id="4" name="Date Placeholder 3">
             <a:extLst>
               <a:ext uri="{FF2B5EF4-FFF2-40B4-BE49-F238E27FC236}">
-                <a16:creationId xmlns:a16="http://schemas.microsoft.com/office/drawing/2014/main" id="{B488F3F8-A84E-2643-959C-6EE4BA4019BA}"/>
+                <a16:creationId xmlns:a16="http://schemas.microsoft.com/office/drawing/2014/main" id="{59290C80-2371-AF45-B958-A933D2A64EF2}"/>
               </a:ext>
             </a:extLst>
           </p:cNvPr>
@@ -1119,7 +1121,7 @@
           <p:cNvPr id="5" name="Footer Placeholder 4">
             <a:extLst>
               <a:ext uri="{FF2B5EF4-FFF2-40B4-BE49-F238E27FC236}">
-                <a16:creationId xmlns:a16="http://schemas.microsoft.com/office/drawing/2014/main" id="{490048EA-21FC-864C-BD9E-0CF80B73933D}"/>
+                <a16:creationId xmlns:a16="http://schemas.microsoft.com/office/drawing/2014/main" id="{3114C05F-2057-CB46-A8FD-57AE3EFBC49F}"/>
               </a:ext>
             </a:extLst>
           </p:cNvPr>
@@ -1144,7 +1146,7 @@
           <p:cNvPr id="6" name="Slide Number Placeholder 5">
             <a:extLst>
               <a:ext uri="{FF2B5EF4-FFF2-40B4-BE49-F238E27FC236}">
-                <a16:creationId xmlns:a16="http://schemas.microsoft.com/office/drawing/2014/main" id="{CF2AFC11-B579-A642-A667-53C1EEA94F4C}"/>
+                <a16:creationId xmlns:a16="http://schemas.microsoft.com/office/drawing/2014/main" id="{1A460823-EF9D-C246-BED9-13CA1F7B5E9C}"/>
               </a:ext>
             </a:extLst>
           </p:cNvPr>
@@ -1171,7 +1173,7 @@
     </p:spTree>
     <p:extLst>
       <p:ext uri="{BB962C8B-B14F-4D97-AF65-F5344CB8AC3E}">
-        <p14:creationId xmlns:p14="http://schemas.microsoft.com/office/powerpoint/2010/main" val="2807244490"/>
+        <p14:creationId xmlns:p14="http://schemas.microsoft.com/office/powerpoint/2010/main" val="759256123"/>
       </p:ext>
     </p:extLst>
   </p:cSld>
@@ -1203,7 +1205,7 @@
           <p:cNvPr id="2" name="Title 1">
             <a:extLst>
               <a:ext uri="{FF2B5EF4-FFF2-40B4-BE49-F238E27FC236}">
-                <a16:creationId xmlns:a16="http://schemas.microsoft.com/office/drawing/2014/main" id="{F936574E-CDDC-194B-8AFA-AD475B1442EE}"/>
+                <a16:creationId xmlns:a16="http://schemas.microsoft.com/office/drawing/2014/main" id="{C9897866-0467-0F41-A5B2-8B6045073BD2}"/>
               </a:ext>
             </a:extLst>
           </p:cNvPr>
@@ -1231,7 +1233,7 @@
           <p:cNvPr id="3" name="Content Placeholder 2">
             <a:extLst>
               <a:ext uri="{FF2B5EF4-FFF2-40B4-BE49-F238E27FC236}">
-                <a16:creationId xmlns:a16="http://schemas.microsoft.com/office/drawing/2014/main" id="{22319278-8E9C-3B41-9B7A-83F25DEFAA4A}"/>
+                <a16:creationId xmlns:a16="http://schemas.microsoft.com/office/drawing/2014/main" id="{01C706AE-B39F-5C42-8326-15F4210668BD}"/>
               </a:ext>
             </a:extLst>
           </p:cNvPr>
@@ -1288,7 +1290,7 @@
           <p:cNvPr id="4" name="Date Placeholder 3">
             <a:extLst>
               <a:ext uri="{FF2B5EF4-FFF2-40B4-BE49-F238E27FC236}">
-                <a16:creationId xmlns:a16="http://schemas.microsoft.com/office/drawing/2014/main" id="{DE3F4753-F7F5-AC49-9481-F3922D559534}"/>
+                <a16:creationId xmlns:a16="http://schemas.microsoft.com/office/drawing/2014/main" id="{365F93AD-5482-5144-8B5B-DA798E37DEF9}"/>
               </a:ext>
             </a:extLst>
           </p:cNvPr>
@@ -1317,7 +1319,7 @@
           <p:cNvPr id="5" name="Footer Placeholder 4">
             <a:extLst>
               <a:ext uri="{FF2B5EF4-FFF2-40B4-BE49-F238E27FC236}">
-                <a16:creationId xmlns:a16="http://schemas.microsoft.com/office/drawing/2014/main" id="{5A374789-D56E-3B47-A3EC-3DA01436317E}"/>
+                <a16:creationId xmlns:a16="http://schemas.microsoft.com/office/drawing/2014/main" id="{FCF2971F-2036-AA46-9627-867C060B5A19}"/>
               </a:ext>
             </a:extLst>
           </p:cNvPr>
@@ -1342,7 +1344,7 @@
           <p:cNvPr id="6" name="Slide Number Placeholder 5">
             <a:extLst>
               <a:ext uri="{FF2B5EF4-FFF2-40B4-BE49-F238E27FC236}">
-                <a16:creationId xmlns:a16="http://schemas.microsoft.com/office/drawing/2014/main" id="{348B9CEF-1ED6-DF4B-BF7B-7161856E5DBE}"/>
+                <a16:creationId xmlns:a16="http://schemas.microsoft.com/office/drawing/2014/main" id="{7F744429-44B4-374B-8F95-11CFE2315140}"/>
               </a:ext>
             </a:extLst>
           </p:cNvPr>
@@ -1369,7 +1371,7 @@
     </p:spTree>
     <p:extLst>
       <p:ext uri="{BB962C8B-B14F-4D97-AF65-F5344CB8AC3E}">
-        <p14:creationId xmlns:p14="http://schemas.microsoft.com/office/powerpoint/2010/main" val="2253339881"/>
+        <p14:creationId xmlns:p14="http://schemas.microsoft.com/office/powerpoint/2010/main" val="514648906"/>
       </p:ext>
     </p:extLst>
   </p:cSld>
@@ -1401,7 +1403,7 @@
           <p:cNvPr id="2" name="Title 1">
             <a:extLst>
               <a:ext uri="{FF2B5EF4-FFF2-40B4-BE49-F238E27FC236}">
-                <a16:creationId xmlns:a16="http://schemas.microsoft.com/office/drawing/2014/main" id="{D06E9D94-A926-294C-AFB9-CC01FCE80621}"/>
+                <a16:creationId xmlns:a16="http://schemas.microsoft.com/office/drawing/2014/main" id="{C093AD4F-6A30-6048-8D02-68F9CD706E27}"/>
               </a:ext>
             </a:extLst>
           </p:cNvPr>
@@ -1438,7 +1440,7 @@
           <p:cNvPr id="3" name="Text Placeholder 2">
             <a:extLst>
               <a:ext uri="{FF2B5EF4-FFF2-40B4-BE49-F238E27FC236}">
-                <a16:creationId xmlns:a16="http://schemas.microsoft.com/office/drawing/2014/main" id="{9DA0E51A-0D03-894B-8D0F-E0AF8B196379}"/>
+                <a16:creationId xmlns:a16="http://schemas.microsoft.com/office/drawing/2014/main" id="{1DDCE50D-7A4C-9848-8376-772912811787}"/>
               </a:ext>
             </a:extLst>
           </p:cNvPr>
@@ -1563,7 +1565,7 @@
           <p:cNvPr id="4" name="Date Placeholder 3">
             <a:extLst>
               <a:ext uri="{FF2B5EF4-FFF2-40B4-BE49-F238E27FC236}">
-                <a16:creationId xmlns:a16="http://schemas.microsoft.com/office/drawing/2014/main" id="{DBF63AAC-6E92-CC4B-9682-FBC76FBDE13F}"/>
+                <a16:creationId xmlns:a16="http://schemas.microsoft.com/office/drawing/2014/main" id="{313A7DBC-0405-844E-A372-96EC5853E87E}"/>
               </a:ext>
             </a:extLst>
           </p:cNvPr>
@@ -1592,7 +1594,7 @@
           <p:cNvPr id="5" name="Footer Placeholder 4">
             <a:extLst>
               <a:ext uri="{FF2B5EF4-FFF2-40B4-BE49-F238E27FC236}">
-                <a16:creationId xmlns:a16="http://schemas.microsoft.com/office/drawing/2014/main" id="{B849878B-A517-2A44-819A-F1BE03E5DF6E}"/>
+                <a16:creationId xmlns:a16="http://schemas.microsoft.com/office/drawing/2014/main" id="{3CE8A9A9-7F7E-5640-893A-DC952B65407F}"/>
               </a:ext>
             </a:extLst>
           </p:cNvPr>
@@ -1617,7 +1619,7 @@
           <p:cNvPr id="6" name="Slide Number Placeholder 5">
             <a:extLst>
               <a:ext uri="{FF2B5EF4-FFF2-40B4-BE49-F238E27FC236}">
-                <a16:creationId xmlns:a16="http://schemas.microsoft.com/office/drawing/2014/main" id="{C607EFE2-BE7F-1C47-9025-407184749078}"/>
+                <a16:creationId xmlns:a16="http://schemas.microsoft.com/office/drawing/2014/main" id="{8EB50394-A027-7E41-B689-DF44DA40A2E6}"/>
               </a:ext>
             </a:extLst>
           </p:cNvPr>
@@ -1644,7 +1646,7 @@
     </p:spTree>
     <p:extLst>
       <p:ext uri="{BB962C8B-B14F-4D97-AF65-F5344CB8AC3E}">
-        <p14:creationId xmlns:p14="http://schemas.microsoft.com/office/powerpoint/2010/main" val="402651637"/>
+        <p14:creationId xmlns:p14="http://schemas.microsoft.com/office/powerpoint/2010/main" val="205168438"/>
       </p:ext>
     </p:extLst>
   </p:cSld>
@@ -1676,7 +1678,7 @@
           <p:cNvPr id="2" name="Title 1">
             <a:extLst>
               <a:ext uri="{FF2B5EF4-FFF2-40B4-BE49-F238E27FC236}">
-                <a16:creationId xmlns:a16="http://schemas.microsoft.com/office/drawing/2014/main" id="{E0BC02ED-7325-4244-B908-CA3BC3493216}"/>
+                <a16:creationId xmlns:a16="http://schemas.microsoft.com/office/drawing/2014/main" id="{F4A3FC45-8BEA-484B-B373-16DEAAB25504}"/>
               </a:ext>
             </a:extLst>
           </p:cNvPr>
@@ -1704,7 +1706,7 @@
           <p:cNvPr id="3" name="Content Placeholder 2">
             <a:extLst>
               <a:ext uri="{FF2B5EF4-FFF2-40B4-BE49-F238E27FC236}">
-                <a16:creationId xmlns:a16="http://schemas.microsoft.com/office/drawing/2014/main" id="{12F56AB8-0043-084D-93A7-F5B003E5053F}"/>
+                <a16:creationId xmlns:a16="http://schemas.microsoft.com/office/drawing/2014/main" id="{3504E9D5-E905-FF41-BFB5-AD77CA40B34B}"/>
               </a:ext>
             </a:extLst>
           </p:cNvPr>
@@ -1766,7 +1768,7 @@
           <p:cNvPr id="4" name="Content Placeholder 3">
             <a:extLst>
               <a:ext uri="{FF2B5EF4-FFF2-40B4-BE49-F238E27FC236}">
-                <a16:creationId xmlns:a16="http://schemas.microsoft.com/office/drawing/2014/main" id="{731E590F-6516-9B45-B9AB-5E44781F6806}"/>
+                <a16:creationId xmlns:a16="http://schemas.microsoft.com/office/drawing/2014/main" id="{DA9C64A9-1111-7D40-A22E-9C3265392C88}"/>
               </a:ext>
             </a:extLst>
           </p:cNvPr>
@@ -1828,7 +1830,7 @@
           <p:cNvPr id="5" name="Date Placeholder 4">
             <a:extLst>
               <a:ext uri="{FF2B5EF4-FFF2-40B4-BE49-F238E27FC236}">
-                <a16:creationId xmlns:a16="http://schemas.microsoft.com/office/drawing/2014/main" id="{CB04102E-3050-1142-85EF-FB81A13DAF37}"/>
+                <a16:creationId xmlns:a16="http://schemas.microsoft.com/office/drawing/2014/main" id="{3865AB35-7FB8-7A4E-85A4-A653A9BD8304}"/>
               </a:ext>
             </a:extLst>
           </p:cNvPr>
@@ -1857,7 +1859,7 @@
           <p:cNvPr id="6" name="Footer Placeholder 5">
             <a:extLst>
               <a:ext uri="{FF2B5EF4-FFF2-40B4-BE49-F238E27FC236}">
-                <a16:creationId xmlns:a16="http://schemas.microsoft.com/office/drawing/2014/main" id="{46A73977-8C0B-D340-B2E7-5DB4B4F70794}"/>
+                <a16:creationId xmlns:a16="http://schemas.microsoft.com/office/drawing/2014/main" id="{A90FAFC8-1263-6C4F-B2D1-BF5403B0E205}"/>
               </a:ext>
             </a:extLst>
           </p:cNvPr>
@@ -1882,7 +1884,7 @@
           <p:cNvPr id="7" name="Slide Number Placeholder 6">
             <a:extLst>
               <a:ext uri="{FF2B5EF4-FFF2-40B4-BE49-F238E27FC236}">
-                <a16:creationId xmlns:a16="http://schemas.microsoft.com/office/drawing/2014/main" id="{62A62261-4286-F04E-B4F0-85A4DFF70E78}"/>
+                <a16:creationId xmlns:a16="http://schemas.microsoft.com/office/drawing/2014/main" id="{441716EF-7DE7-7C4A-BEA1-D0555BF3CC58}"/>
               </a:ext>
             </a:extLst>
           </p:cNvPr>
@@ -1909,7 +1911,7 @@
     </p:spTree>
     <p:extLst>
       <p:ext uri="{BB962C8B-B14F-4D97-AF65-F5344CB8AC3E}">
-        <p14:creationId xmlns:p14="http://schemas.microsoft.com/office/powerpoint/2010/main" val="615734051"/>
+        <p14:creationId xmlns:p14="http://schemas.microsoft.com/office/powerpoint/2010/main" val="2837049211"/>
       </p:ext>
     </p:extLst>
   </p:cSld>
@@ -1941,7 +1943,7 @@
           <p:cNvPr id="2" name="Title 1">
             <a:extLst>
               <a:ext uri="{FF2B5EF4-FFF2-40B4-BE49-F238E27FC236}">
-                <a16:creationId xmlns:a16="http://schemas.microsoft.com/office/drawing/2014/main" id="{61691099-F324-5249-BA65-4E3FBA8490D3}"/>
+                <a16:creationId xmlns:a16="http://schemas.microsoft.com/office/drawing/2014/main" id="{36BB034A-E4FD-FB4E-A382-2A50816CAC8A}"/>
               </a:ext>
             </a:extLst>
           </p:cNvPr>
@@ -1974,7 +1976,7 @@
           <p:cNvPr id="3" name="Text Placeholder 2">
             <a:extLst>
               <a:ext uri="{FF2B5EF4-FFF2-40B4-BE49-F238E27FC236}">
-                <a16:creationId xmlns:a16="http://schemas.microsoft.com/office/drawing/2014/main" id="{C1F25281-F9C6-4541-80E3-DBB8EC3ABCBA}"/>
+                <a16:creationId xmlns:a16="http://schemas.microsoft.com/office/drawing/2014/main" id="{B30DEF7A-2E8E-7B48-99B7-C8B913333A63}"/>
               </a:ext>
             </a:extLst>
           </p:cNvPr>
@@ -2045,7 +2047,7 @@
           <p:cNvPr id="4" name="Content Placeholder 3">
             <a:extLst>
               <a:ext uri="{FF2B5EF4-FFF2-40B4-BE49-F238E27FC236}">
-                <a16:creationId xmlns:a16="http://schemas.microsoft.com/office/drawing/2014/main" id="{C5CA7CA0-0885-C943-8853-55E1D581F2F9}"/>
+                <a16:creationId xmlns:a16="http://schemas.microsoft.com/office/drawing/2014/main" id="{8F24FF27-711F-244B-847A-A247A02F9244}"/>
               </a:ext>
             </a:extLst>
           </p:cNvPr>
@@ -2107,7 +2109,7 @@
           <p:cNvPr id="5" name="Text Placeholder 4">
             <a:extLst>
               <a:ext uri="{FF2B5EF4-FFF2-40B4-BE49-F238E27FC236}">
-                <a16:creationId xmlns:a16="http://schemas.microsoft.com/office/drawing/2014/main" id="{0240A8FB-9801-CB4E-BFEF-318CBD98E9B6}"/>
+                <a16:creationId xmlns:a16="http://schemas.microsoft.com/office/drawing/2014/main" id="{906C6236-B5FB-364F-B4CD-0FCBE697E017}"/>
               </a:ext>
             </a:extLst>
           </p:cNvPr>
@@ -2178,7 +2180,7 @@
           <p:cNvPr id="6" name="Content Placeholder 5">
             <a:extLst>
               <a:ext uri="{FF2B5EF4-FFF2-40B4-BE49-F238E27FC236}">
-                <a16:creationId xmlns:a16="http://schemas.microsoft.com/office/drawing/2014/main" id="{AE4DD7B1-16DD-CE43-97DD-B369AB8A37DE}"/>
+                <a16:creationId xmlns:a16="http://schemas.microsoft.com/office/drawing/2014/main" id="{AE49E700-C1A7-9546-890B-2ADAAC185BAA}"/>
               </a:ext>
             </a:extLst>
           </p:cNvPr>
@@ -2240,7 +2242,7 @@
           <p:cNvPr id="7" name="Date Placeholder 6">
             <a:extLst>
               <a:ext uri="{FF2B5EF4-FFF2-40B4-BE49-F238E27FC236}">
-                <a16:creationId xmlns:a16="http://schemas.microsoft.com/office/drawing/2014/main" id="{A1F65C57-FF79-8F43-9CB6-12D8A5373262}"/>
+                <a16:creationId xmlns:a16="http://schemas.microsoft.com/office/drawing/2014/main" id="{10ED3689-DFC1-A940-9080-27DBB7C950C7}"/>
               </a:ext>
             </a:extLst>
           </p:cNvPr>
@@ -2269,7 +2271,7 @@
           <p:cNvPr id="8" name="Footer Placeholder 7">
             <a:extLst>
               <a:ext uri="{FF2B5EF4-FFF2-40B4-BE49-F238E27FC236}">
-                <a16:creationId xmlns:a16="http://schemas.microsoft.com/office/drawing/2014/main" id="{C0C8A9B5-B32D-7841-846F-760BB9E2D930}"/>
+                <a16:creationId xmlns:a16="http://schemas.microsoft.com/office/drawing/2014/main" id="{487AF087-A023-D747-B6D5-FC5463CC6FEF}"/>
               </a:ext>
             </a:extLst>
           </p:cNvPr>
@@ -2294,7 +2296,7 @@
           <p:cNvPr id="9" name="Slide Number Placeholder 8">
             <a:extLst>
               <a:ext uri="{FF2B5EF4-FFF2-40B4-BE49-F238E27FC236}">
-                <a16:creationId xmlns:a16="http://schemas.microsoft.com/office/drawing/2014/main" id="{83676FA2-60E3-BE40-BD68-44382B42CF81}"/>
+                <a16:creationId xmlns:a16="http://schemas.microsoft.com/office/drawing/2014/main" id="{486A7F76-5233-524E-9B82-262C2F77483E}"/>
               </a:ext>
             </a:extLst>
           </p:cNvPr>
@@ -2321,7 +2323,7 @@
     </p:spTree>
     <p:extLst>
       <p:ext uri="{BB962C8B-B14F-4D97-AF65-F5344CB8AC3E}">
-        <p14:creationId xmlns:p14="http://schemas.microsoft.com/office/powerpoint/2010/main" val="587435821"/>
+        <p14:creationId xmlns:p14="http://schemas.microsoft.com/office/powerpoint/2010/main" val="841426106"/>
       </p:ext>
     </p:extLst>
   </p:cSld>
@@ -2353,7 +2355,7 @@
           <p:cNvPr id="2" name="Title 1">
             <a:extLst>
               <a:ext uri="{FF2B5EF4-FFF2-40B4-BE49-F238E27FC236}">
-                <a16:creationId xmlns:a16="http://schemas.microsoft.com/office/drawing/2014/main" id="{D6377854-A2D4-B24A-99EE-DF44B2E21C1F}"/>
+                <a16:creationId xmlns:a16="http://schemas.microsoft.com/office/drawing/2014/main" id="{EE3DEA50-F131-D444-83D4-C9E832AC23FF}"/>
               </a:ext>
             </a:extLst>
           </p:cNvPr>
@@ -2381,7 +2383,7 @@
           <p:cNvPr id="3" name="Date Placeholder 2">
             <a:extLst>
               <a:ext uri="{FF2B5EF4-FFF2-40B4-BE49-F238E27FC236}">
-                <a16:creationId xmlns:a16="http://schemas.microsoft.com/office/drawing/2014/main" id="{A378383B-BDCA-6747-A6FD-7655BE0F1163}"/>
+                <a16:creationId xmlns:a16="http://schemas.microsoft.com/office/drawing/2014/main" id="{EB2326AD-EF5E-024A-A888-4A1B94D9CCAE}"/>
               </a:ext>
             </a:extLst>
           </p:cNvPr>
@@ -2410,7 +2412,7 @@
           <p:cNvPr id="4" name="Footer Placeholder 3">
             <a:extLst>
               <a:ext uri="{FF2B5EF4-FFF2-40B4-BE49-F238E27FC236}">
-                <a16:creationId xmlns:a16="http://schemas.microsoft.com/office/drawing/2014/main" id="{622342EA-F296-2443-9772-814EB5D24A3E}"/>
+                <a16:creationId xmlns:a16="http://schemas.microsoft.com/office/drawing/2014/main" id="{4AAE2885-ACBC-0643-B09E-51229DD1193C}"/>
               </a:ext>
             </a:extLst>
           </p:cNvPr>
@@ -2435,7 +2437,7 @@
           <p:cNvPr id="5" name="Slide Number Placeholder 4">
             <a:extLst>
               <a:ext uri="{FF2B5EF4-FFF2-40B4-BE49-F238E27FC236}">
-                <a16:creationId xmlns:a16="http://schemas.microsoft.com/office/drawing/2014/main" id="{1FE9BEF6-56B5-4246-A14D-F1F0BE08CA09}"/>
+                <a16:creationId xmlns:a16="http://schemas.microsoft.com/office/drawing/2014/main" id="{17DC0CF1-E375-B948-811D-9247F0B0D053}"/>
               </a:ext>
             </a:extLst>
           </p:cNvPr>
@@ -2462,7 +2464,7 @@
     </p:spTree>
     <p:extLst>
       <p:ext uri="{BB962C8B-B14F-4D97-AF65-F5344CB8AC3E}">
-        <p14:creationId xmlns:p14="http://schemas.microsoft.com/office/powerpoint/2010/main" val="1451445193"/>
+        <p14:creationId xmlns:p14="http://schemas.microsoft.com/office/powerpoint/2010/main" val="1075573468"/>
       </p:ext>
     </p:extLst>
   </p:cSld>
@@ -2494,7 +2496,7 @@
           <p:cNvPr id="2" name="Date Placeholder 1">
             <a:extLst>
               <a:ext uri="{FF2B5EF4-FFF2-40B4-BE49-F238E27FC236}">
-                <a16:creationId xmlns:a16="http://schemas.microsoft.com/office/drawing/2014/main" id="{966139C5-D5B0-084D-B89B-488330728713}"/>
+                <a16:creationId xmlns:a16="http://schemas.microsoft.com/office/drawing/2014/main" id="{6ADB2717-FEBA-D74F-99F4-B88058C76CC3}"/>
               </a:ext>
             </a:extLst>
           </p:cNvPr>
@@ -2523,7 +2525,7 @@
           <p:cNvPr id="3" name="Footer Placeholder 2">
             <a:extLst>
               <a:ext uri="{FF2B5EF4-FFF2-40B4-BE49-F238E27FC236}">
-                <a16:creationId xmlns:a16="http://schemas.microsoft.com/office/drawing/2014/main" id="{64C827FB-9532-7347-92B1-185AFAA2F349}"/>
+                <a16:creationId xmlns:a16="http://schemas.microsoft.com/office/drawing/2014/main" id="{A053F40F-1237-3144-AC44-494A731E00BC}"/>
               </a:ext>
             </a:extLst>
           </p:cNvPr>
@@ -2548,7 +2550,7 @@
           <p:cNvPr id="4" name="Slide Number Placeholder 3">
             <a:extLst>
               <a:ext uri="{FF2B5EF4-FFF2-40B4-BE49-F238E27FC236}">
-                <a16:creationId xmlns:a16="http://schemas.microsoft.com/office/drawing/2014/main" id="{261752C8-931B-3449-BB87-2AE63CF01853}"/>
+                <a16:creationId xmlns:a16="http://schemas.microsoft.com/office/drawing/2014/main" id="{7DC0CE23-0F29-5547-A7CF-CB08BA85FCF1}"/>
               </a:ext>
             </a:extLst>
           </p:cNvPr>
@@ -2575,7 +2577,7 @@
     </p:spTree>
     <p:extLst>
       <p:ext uri="{BB962C8B-B14F-4D97-AF65-F5344CB8AC3E}">
-        <p14:creationId xmlns:p14="http://schemas.microsoft.com/office/powerpoint/2010/main" val="3380122073"/>
+        <p14:creationId xmlns:p14="http://schemas.microsoft.com/office/powerpoint/2010/main" val="420637079"/>
       </p:ext>
     </p:extLst>
   </p:cSld>
@@ -2607,7 +2609,7 @@
           <p:cNvPr id="2" name="Title 1">
             <a:extLst>
               <a:ext uri="{FF2B5EF4-FFF2-40B4-BE49-F238E27FC236}">
-                <a16:creationId xmlns:a16="http://schemas.microsoft.com/office/drawing/2014/main" id="{F4E1BB9A-C140-3442-80D4-07EE7136F623}"/>
+                <a16:creationId xmlns:a16="http://schemas.microsoft.com/office/drawing/2014/main" id="{892428F0-D255-BD45-BF6B-7C03E0F95E2B}"/>
               </a:ext>
             </a:extLst>
           </p:cNvPr>
@@ -2644,7 +2646,7 @@
           <p:cNvPr id="3" name="Content Placeholder 2">
             <a:extLst>
               <a:ext uri="{FF2B5EF4-FFF2-40B4-BE49-F238E27FC236}">
-                <a16:creationId xmlns:a16="http://schemas.microsoft.com/office/drawing/2014/main" id="{505AD678-3B15-3742-993B-0920850ECE5E}"/>
+                <a16:creationId xmlns:a16="http://schemas.microsoft.com/office/drawing/2014/main" id="{C6BECD8B-4E72-9647-9AE1-E1FFC425697F}"/>
               </a:ext>
             </a:extLst>
           </p:cNvPr>
@@ -2734,7 +2736,7 @@
           <p:cNvPr id="4" name="Text Placeholder 3">
             <a:extLst>
               <a:ext uri="{FF2B5EF4-FFF2-40B4-BE49-F238E27FC236}">
-                <a16:creationId xmlns:a16="http://schemas.microsoft.com/office/drawing/2014/main" id="{F063BE61-BE9B-814D-A444-9C7638453FB8}"/>
+                <a16:creationId xmlns:a16="http://schemas.microsoft.com/office/drawing/2014/main" id="{9D4CA964-9333-6349-AE2F-0AA27E592576}"/>
               </a:ext>
             </a:extLst>
           </p:cNvPr>
@@ -2805,7 +2807,7 @@
           <p:cNvPr id="5" name="Date Placeholder 4">
             <a:extLst>
               <a:ext uri="{FF2B5EF4-FFF2-40B4-BE49-F238E27FC236}">
-                <a16:creationId xmlns:a16="http://schemas.microsoft.com/office/drawing/2014/main" id="{54EF110B-44C6-5549-BBDC-ED8D326C77B6}"/>
+                <a16:creationId xmlns:a16="http://schemas.microsoft.com/office/drawing/2014/main" id="{2F552F1E-30DC-1E4D-8063-04E728D75A06}"/>
               </a:ext>
             </a:extLst>
           </p:cNvPr>
@@ -2834,7 +2836,7 @@
           <p:cNvPr id="6" name="Footer Placeholder 5">
             <a:extLst>
               <a:ext uri="{FF2B5EF4-FFF2-40B4-BE49-F238E27FC236}">
-                <a16:creationId xmlns:a16="http://schemas.microsoft.com/office/drawing/2014/main" id="{C3E9A4E7-2D34-1847-80CE-26F00CF07148}"/>
+                <a16:creationId xmlns:a16="http://schemas.microsoft.com/office/drawing/2014/main" id="{10EFB869-89D2-1F4F-A59B-F8DA26A99736}"/>
               </a:ext>
             </a:extLst>
           </p:cNvPr>
@@ -2859,7 +2861,7 @@
           <p:cNvPr id="7" name="Slide Number Placeholder 6">
             <a:extLst>
               <a:ext uri="{FF2B5EF4-FFF2-40B4-BE49-F238E27FC236}">
-                <a16:creationId xmlns:a16="http://schemas.microsoft.com/office/drawing/2014/main" id="{3B6AC49C-3E91-8E4D-BB59-BC7692FB070C}"/>
+                <a16:creationId xmlns:a16="http://schemas.microsoft.com/office/drawing/2014/main" id="{136B61F5-EAC8-674D-83FE-C1EFEE02419A}"/>
               </a:ext>
             </a:extLst>
           </p:cNvPr>
@@ -2886,7 +2888,7 @@
     </p:spTree>
     <p:extLst>
       <p:ext uri="{BB962C8B-B14F-4D97-AF65-F5344CB8AC3E}">
-        <p14:creationId xmlns:p14="http://schemas.microsoft.com/office/powerpoint/2010/main" val="2777643826"/>
+        <p14:creationId xmlns:p14="http://schemas.microsoft.com/office/powerpoint/2010/main" val="1049771455"/>
       </p:ext>
     </p:extLst>
   </p:cSld>
@@ -2918,7 +2920,7 @@
           <p:cNvPr id="2" name="Title 1">
             <a:extLst>
               <a:ext uri="{FF2B5EF4-FFF2-40B4-BE49-F238E27FC236}">
-                <a16:creationId xmlns:a16="http://schemas.microsoft.com/office/drawing/2014/main" id="{B04EC9E6-2237-7448-88D6-BACC77FE6E22}"/>
+                <a16:creationId xmlns:a16="http://schemas.microsoft.com/office/drawing/2014/main" id="{248BE2E1-3D4B-9D4D-8989-2F4DAABD4FCC}"/>
               </a:ext>
             </a:extLst>
           </p:cNvPr>
@@ -2955,7 +2957,7 @@
           <p:cNvPr id="3" name="Picture Placeholder 2">
             <a:extLst>
               <a:ext uri="{FF2B5EF4-FFF2-40B4-BE49-F238E27FC236}">
-                <a16:creationId xmlns:a16="http://schemas.microsoft.com/office/drawing/2014/main" id="{60229A14-21D3-3A4E-8644-5E8AB2C4B5E9}"/>
+                <a16:creationId xmlns:a16="http://schemas.microsoft.com/office/drawing/2014/main" id="{D4E52A44-0703-394E-A378-EB6C0627B5B7}"/>
               </a:ext>
             </a:extLst>
           </p:cNvPr>
@@ -3022,7 +3024,7 @@
           <p:cNvPr id="4" name="Text Placeholder 3">
             <a:extLst>
               <a:ext uri="{FF2B5EF4-FFF2-40B4-BE49-F238E27FC236}">
-                <a16:creationId xmlns:a16="http://schemas.microsoft.com/office/drawing/2014/main" id="{C9E52143-D16E-3348-BCF8-4A4B9C4FD4D3}"/>
+                <a16:creationId xmlns:a16="http://schemas.microsoft.com/office/drawing/2014/main" id="{294CB0EB-04B7-2E49-BC8D-E9DD6F930590}"/>
               </a:ext>
             </a:extLst>
           </p:cNvPr>
@@ -3093,7 +3095,7 @@
           <p:cNvPr id="5" name="Date Placeholder 4">
             <a:extLst>
               <a:ext uri="{FF2B5EF4-FFF2-40B4-BE49-F238E27FC236}">
-                <a16:creationId xmlns:a16="http://schemas.microsoft.com/office/drawing/2014/main" id="{DF3B2A10-A8C5-E743-8E5A-2A1BFAA3B407}"/>
+                <a16:creationId xmlns:a16="http://schemas.microsoft.com/office/drawing/2014/main" id="{15C6B5B1-ED24-E74D-A2CE-22E1DD3B86A4}"/>
               </a:ext>
             </a:extLst>
           </p:cNvPr>
@@ -3122,7 +3124,7 @@
           <p:cNvPr id="6" name="Footer Placeholder 5">
             <a:extLst>
               <a:ext uri="{FF2B5EF4-FFF2-40B4-BE49-F238E27FC236}">
-                <a16:creationId xmlns:a16="http://schemas.microsoft.com/office/drawing/2014/main" id="{955FDC0B-D154-9942-876D-17E9000DEA18}"/>
+                <a16:creationId xmlns:a16="http://schemas.microsoft.com/office/drawing/2014/main" id="{B291D1F7-4AC0-9947-A723-79EAA849E3FE}"/>
               </a:ext>
             </a:extLst>
           </p:cNvPr>
@@ -3147,7 +3149,7 @@
           <p:cNvPr id="7" name="Slide Number Placeholder 6">
             <a:extLst>
               <a:ext uri="{FF2B5EF4-FFF2-40B4-BE49-F238E27FC236}">
-                <a16:creationId xmlns:a16="http://schemas.microsoft.com/office/drawing/2014/main" id="{87F40D46-3313-604C-88D4-68CD53905976}"/>
+                <a16:creationId xmlns:a16="http://schemas.microsoft.com/office/drawing/2014/main" id="{9E1E888D-ABB9-D945-BD56-698572F5CF9A}"/>
               </a:ext>
             </a:extLst>
           </p:cNvPr>
@@ -3174,7 +3176,7 @@
     </p:spTree>
     <p:extLst>
       <p:ext uri="{BB962C8B-B14F-4D97-AF65-F5344CB8AC3E}">
-        <p14:creationId xmlns:p14="http://schemas.microsoft.com/office/powerpoint/2010/main" val="3156737741"/>
+        <p14:creationId xmlns:p14="http://schemas.microsoft.com/office/powerpoint/2010/main" val="688574420"/>
       </p:ext>
     </p:extLst>
   </p:cSld>
@@ -3211,7 +3213,7 @@
           <p:cNvPr id="2" name="Title Placeholder 1">
             <a:extLst>
               <a:ext uri="{FF2B5EF4-FFF2-40B4-BE49-F238E27FC236}">
-                <a16:creationId xmlns:a16="http://schemas.microsoft.com/office/drawing/2014/main" id="{229B5DB5-6345-9449-B208-BC8820405069}"/>
+                <a16:creationId xmlns:a16="http://schemas.microsoft.com/office/drawing/2014/main" id="{D7807234-5C62-1349-B213-25AF551C7B3A}"/>
               </a:ext>
             </a:extLst>
           </p:cNvPr>
@@ -3249,7 +3251,7 @@
           <p:cNvPr id="3" name="Text Placeholder 2">
             <a:extLst>
               <a:ext uri="{FF2B5EF4-FFF2-40B4-BE49-F238E27FC236}">
-                <a16:creationId xmlns:a16="http://schemas.microsoft.com/office/drawing/2014/main" id="{76451197-79AA-324C-8B3B-B1F4A74DED7F}"/>
+                <a16:creationId xmlns:a16="http://schemas.microsoft.com/office/drawing/2014/main" id="{D907BB47-759C-A749-923B-A25C328E044F}"/>
               </a:ext>
             </a:extLst>
           </p:cNvPr>
@@ -3316,7 +3318,7 @@
           <p:cNvPr id="4" name="Date Placeholder 3">
             <a:extLst>
               <a:ext uri="{FF2B5EF4-FFF2-40B4-BE49-F238E27FC236}">
-                <a16:creationId xmlns:a16="http://schemas.microsoft.com/office/drawing/2014/main" id="{D3486B86-CDB9-7B44-8E57-C6BD168EFA83}"/>
+                <a16:creationId xmlns:a16="http://schemas.microsoft.com/office/drawing/2014/main" id="{8DA7BBA0-1DD2-A848-922A-24CC5417A261}"/>
               </a:ext>
             </a:extLst>
           </p:cNvPr>
@@ -3363,7 +3365,7 @@
           <p:cNvPr id="5" name="Footer Placeholder 4">
             <a:extLst>
               <a:ext uri="{FF2B5EF4-FFF2-40B4-BE49-F238E27FC236}">
-                <a16:creationId xmlns:a16="http://schemas.microsoft.com/office/drawing/2014/main" id="{8BEC75AE-3301-D941-8E69-D1964ADABF7D}"/>
+                <a16:creationId xmlns:a16="http://schemas.microsoft.com/office/drawing/2014/main" id="{CEDD9B3C-9418-AC40-B73E-8AC9AAA01DCC}"/>
               </a:ext>
             </a:extLst>
           </p:cNvPr>
@@ -3406,7 +3408,7 @@
           <p:cNvPr id="6" name="Slide Number Placeholder 5">
             <a:extLst>
               <a:ext uri="{FF2B5EF4-FFF2-40B4-BE49-F238E27FC236}">
-                <a16:creationId xmlns:a16="http://schemas.microsoft.com/office/drawing/2014/main" id="{FFE5F3A4-1C36-E944-863F-267516BEE938}"/>
+                <a16:creationId xmlns:a16="http://schemas.microsoft.com/office/drawing/2014/main" id="{2BC1334D-DCDF-ED4F-A0BB-9E0A46D5E26E}"/>
               </a:ext>
             </a:extLst>
           </p:cNvPr>
@@ -3451,23 +3453,23 @@
     </p:spTree>
     <p:extLst>
       <p:ext uri="{BB962C8B-B14F-4D97-AF65-F5344CB8AC3E}">
-        <p14:creationId xmlns:p14="http://schemas.microsoft.com/office/powerpoint/2010/main" val="4055418459"/>
+        <p14:creationId xmlns:p14="http://schemas.microsoft.com/office/powerpoint/2010/main" val="2013231204"/>
       </p:ext>
     </p:extLst>
   </p:cSld>
-  <p:clrMap bg1="dk1" tx1="lt1" bg2="dk2" tx2="lt2" accent1="accent1" accent2="accent2" accent3="accent3" accent4="accent4" accent5="accent5" accent6="accent6" hlink="hlink" folHlink="folHlink"/>
+  <p:clrMap bg1="lt1" tx1="dk1" bg2="lt2" tx2="dk2" accent1="accent1" accent2="accent2" accent3="accent3" accent4="accent4" accent5="accent5" accent6="accent6" hlink="hlink" folHlink="folHlink"/>
   <p:sldLayoutIdLst>
-    <p:sldLayoutId id="2147483649" r:id="rId1"/>
-    <p:sldLayoutId id="2147483650" r:id="rId2"/>
-    <p:sldLayoutId id="2147483651" r:id="rId3"/>
-    <p:sldLayoutId id="2147483652" r:id="rId4"/>
-    <p:sldLayoutId id="2147483653" r:id="rId5"/>
-    <p:sldLayoutId id="2147483654" r:id="rId6"/>
-    <p:sldLayoutId id="2147483655" r:id="rId7"/>
-    <p:sldLayoutId id="2147483656" r:id="rId8"/>
-    <p:sldLayoutId id="2147483657" r:id="rId9"/>
-    <p:sldLayoutId id="2147483658" r:id="rId10"/>
-    <p:sldLayoutId id="2147483659" r:id="rId11"/>
+    <p:sldLayoutId id="2147483661" r:id="rId1"/>
+    <p:sldLayoutId id="2147483662" r:id="rId2"/>
+    <p:sldLayoutId id="2147483663" r:id="rId3"/>
+    <p:sldLayoutId id="2147483664" r:id="rId4"/>
+    <p:sldLayoutId id="2147483665" r:id="rId5"/>
+    <p:sldLayoutId id="2147483666" r:id="rId6"/>
+    <p:sldLayoutId id="2147483667" r:id="rId7"/>
+    <p:sldLayoutId id="2147483668" r:id="rId8"/>
+    <p:sldLayoutId id="2147483669" r:id="rId9"/>
+    <p:sldLayoutId id="2147483670" r:id="rId10"/>
+    <p:sldLayoutId id="2147483671" r:id="rId11"/>
   </p:sldLayoutIdLst>
   <p:txStyles>
     <p:titleStyle>
@@ -4146,7 +4148,7 @@
           <p:cNvPr id="2" name="Title 1">
             <a:extLst>
               <a:ext uri="{FF2B5EF4-FFF2-40B4-BE49-F238E27FC236}">
-                <a16:creationId xmlns:a16="http://schemas.microsoft.com/office/drawing/2014/main" id="{BFBCEB82-D1FF-D24D-8DCB-993CE68DEC4F}"/>
+                <a16:creationId xmlns:a16="http://schemas.microsoft.com/office/drawing/2014/main" id="{3116C70F-B9E4-FE4B-AC61-9ADED3D64EBD}"/>
               </a:ext>
             </a:extLst>
           </p:cNvPr>
@@ -4163,9 +4165,10 @@
           <a:lstStyle/>
           <a:p>
             <a:r>
-              <a:rPr lang="en-US" dirty="0"/>
-              <a:t>Testing</a:t>
-            </a:r>
+              <a:rPr lang="en-GB" dirty="0"/>
+              <a:t>Speed Test</a:t>
+            </a:r>
+            <a:endParaRPr lang="en-US" dirty="0"/>
           </a:p>
         </p:txBody>
       </p:sp>
@@ -4174,7 +4177,7 @@
           <p:cNvPr id="3" name="Content Placeholder 2">
             <a:extLst>
               <a:ext uri="{FF2B5EF4-FFF2-40B4-BE49-F238E27FC236}">
-                <a16:creationId xmlns:a16="http://schemas.microsoft.com/office/drawing/2014/main" id="{1E7CC7F0-14D6-E440-AFA9-B43B5C0ECACE}"/>
+                <a16:creationId xmlns:a16="http://schemas.microsoft.com/office/drawing/2014/main" id="{36CC6D5F-2840-4B41-AC08-ADC49212C713}"/>
               </a:ext>
             </a:extLst>
           </p:cNvPr>
@@ -4185,42 +4188,360 @@
             <p:ph idx="1"/>
           </p:nvPr>
         </p:nvSpPr>
-        <p:spPr/>
-        <p:txBody>
-          <a:bodyPr/>
-          <a:lstStyle/>
-          <a:p>
-            <a:r>
-              <a:rPr lang="en-US" dirty="0"/>
-              <a:t>Use </a:t>
-            </a:r>
-            <a:r>
-              <a:rPr lang="en-US" dirty="0" err="1"/>
+        <p:spPr>
+          <a:xfrm>
+            <a:off x="838200" y="1524000"/>
+            <a:ext cx="10515600" cy="5199529"/>
+          </a:xfrm>
+        </p:spPr>
+        <p:txBody>
+          <a:bodyPr>
+            <a:normAutofit lnSpcReduction="10000"/>
+          </a:bodyPr>
+          <a:lstStyle/>
+          <a:p>
+            <a:pPr marL="0" indent="0">
+              <a:buNone/>
+            </a:pPr>
+            <a:r>
+              <a:rPr lang="en-GB" b="1" dirty="0"/>
+              <a:t>public class </a:t>
+            </a:r>
+            <a:r>
+              <a:rPr lang="en-GB" dirty="0" err="1"/>
+              <a:t>CaveGameSpeedTest</a:t>
+            </a:r>
+            <a:r>
+              <a:rPr lang="en-GB" dirty="0"/>
+              <a:t> {</a:t>
+            </a:r>
+            <a:br>
+              <a:rPr lang="en-GB" dirty="0"/>
+            </a:br>
+            <a:r>
+              <a:rPr lang="en-GB" dirty="0"/>
+              <a:t>    </a:t>
+            </a:r>
+            <a:r>
+              <a:rPr lang="en-GB" b="1" dirty="0"/>
+              <a:t>public static void </a:t>
+            </a:r>
+            <a:r>
+              <a:rPr lang="en-GB" dirty="0"/>
+              <a:t>main(String[] </a:t>
+            </a:r>
+            <a:r>
+              <a:rPr lang="en-GB" dirty="0" err="1"/>
+              <a:t>args</a:t>
+            </a:r>
+            <a:r>
+              <a:rPr lang="en-GB" dirty="0"/>
+              <a:t>) {</a:t>
+            </a:r>
+            <a:br>
+              <a:rPr lang="en-GB" dirty="0"/>
+            </a:br>
+            <a:r>
+              <a:rPr lang="en-GB" dirty="0"/>
+              <a:t>        </a:t>
+            </a:r>
+            <a:r>
+              <a:rPr lang="en-GB" dirty="0" err="1"/>
+              <a:t>CaveSwingParams</a:t>
+            </a:r>
+            <a:r>
+              <a:rPr lang="en-GB" dirty="0"/>
+              <a:t> </a:t>
+            </a:r>
+            <a:r>
+              <a:rPr lang="en-GB" dirty="0" err="1"/>
+              <a:t>params</a:t>
+            </a:r>
+            <a:r>
+              <a:rPr lang="en-GB" dirty="0"/>
+              <a:t> = </a:t>
+            </a:r>
+            <a:r>
+              <a:rPr lang="en-GB" b="1" dirty="0"/>
+              <a:t>new </a:t>
+            </a:r>
+            <a:r>
+              <a:rPr lang="en-GB" dirty="0" err="1"/>
+              <a:t>CaveSwingParams</a:t>
+            </a:r>
+            <a:r>
+              <a:rPr lang="en-GB" dirty="0"/>
+              <a:t>();</a:t>
+            </a:r>
+            <a:br>
+              <a:rPr lang="en-GB" dirty="0"/>
+            </a:br>
+            <a:r>
+              <a:rPr lang="en-GB" dirty="0"/>
+              <a:t>        </a:t>
+            </a:r>
+            <a:r>
+              <a:rPr lang="en-GB" dirty="0" err="1"/>
+              <a:t>params.</a:t>
+            </a:r>
+            <a:r>
+              <a:rPr lang="en-GB" b="1" dirty="0" err="1"/>
+              <a:t>gravity</a:t>
+            </a:r>
+            <a:r>
+              <a:rPr lang="en-GB" dirty="0" err="1"/>
+              <a:t>.</a:t>
+            </a:r>
+            <a:r>
+              <a:rPr lang="en-GB" b="1" dirty="0" err="1"/>
+              <a:t>y</a:t>
+            </a:r>
+            <a:r>
+              <a:rPr lang="en-GB" b="1" dirty="0"/>
+              <a:t> </a:t>
+            </a:r>
+            <a:r>
+              <a:rPr lang="en-GB" dirty="0"/>
+              <a:t>= -0.0;</a:t>
+            </a:r>
+            <a:br>
+              <a:rPr lang="en-GB" dirty="0"/>
+            </a:br>
+            <a:r>
+              <a:rPr lang="en-GB" dirty="0"/>
+              <a:t>        </a:t>
+            </a:r>
+            <a:r>
+              <a:rPr lang="en-GB" dirty="0" err="1"/>
+              <a:t>params.</a:t>
+            </a:r>
+            <a:r>
+              <a:rPr lang="en-GB" b="1" dirty="0" err="1"/>
+              <a:t>gravity</a:t>
+            </a:r>
+            <a:r>
+              <a:rPr lang="en-GB" dirty="0" err="1"/>
+              <a:t>.</a:t>
+            </a:r>
+            <a:r>
+              <a:rPr lang="en-GB" b="1" dirty="0" err="1"/>
+              <a:t>x</a:t>
+            </a:r>
+            <a:r>
+              <a:rPr lang="en-GB" b="1" dirty="0"/>
+              <a:t> </a:t>
+            </a:r>
+            <a:r>
+              <a:rPr lang="en-GB" dirty="0"/>
+              <a:t>= 10.5;</a:t>
+            </a:r>
+            <a:br>
+              <a:rPr lang="en-GB" dirty="0"/>
+            </a:br>
+            <a:r>
+              <a:rPr lang="en-GB" dirty="0"/>
+              <a:t>        </a:t>
+            </a:r>
+            <a:r>
+              <a:rPr lang="en-GB" dirty="0" err="1"/>
               <a:t>SpeedTest</a:t>
             </a:r>
             <a:r>
-              <a:rPr lang="en-US" dirty="0"/>
-              <a:t> with and without copying</a:t>
-            </a:r>
-          </a:p>
-          <a:p>
-            <a:r>
-              <a:rPr lang="en-US" dirty="0"/>
-              <a:t>Check that copying makes no difference</a:t>
-            </a:r>
-          </a:p>
-          <a:p>
-            <a:r>
-              <a:rPr lang="en-US" dirty="0"/>
-              <a:t>I picked up a bug in Asteroids this way!</a:t>
-            </a:r>
+              <a:rPr lang="en-GB" dirty="0"/>
+              <a:t> </a:t>
+            </a:r>
+            <a:r>
+              <a:rPr lang="en-GB" dirty="0" err="1"/>
+              <a:t>speedTest</a:t>
+            </a:r>
+            <a:r>
+              <a:rPr lang="en-GB" dirty="0"/>
+              <a:t> = </a:t>
+            </a:r>
+            <a:r>
+              <a:rPr lang="en-GB" b="1" dirty="0"/>
+              <a:t>new </a:t>
+            </a:r>
+            <a:r>
+              <a:rPr lang="en-GB" dirty="0" err="1"/>
+              <a:t>SpeedTest</a:t>
+            </a:r>
+            <a:r>
+              <a:rPr lang="en-GB" dirty="0"/>
+              <a:t>().</a:t>
+            </a:r>
+            <a:r>
+              <a:rPr lang="en-GB" dirty="0" err="1"/>
+              <a:t>setGameFactory</a:t>
+            </a:r>
+            <a:r>
+              <a:rPr lang="en-GB" dirty="0"/>
+              <a:t>(</a:t>
+            </a:r>
+            <a:br>
+              <a:rPr lang="en-GB" dirty="0"/>
+            </a:br>
+            <a:r>
+              <a:rPr lang="en-GB" dirty="0"/>
+              <a:t>                </a:t>
+            </a:r>
+            <a:r>
+              <a:rPr lang="en-GB" b="1" dirty="0"/>
+              <a:t>new </a:t>
+            </a:r>
+            <a:r>
+              <a:rPr lang="en-GB" dirty="0" err="1"/>
+              <a:t>CaveGameFactory</a:t>
+            </a:r>
+            <a:r>
+              <a:rPr lang="en-GB" dirty="0"/>
+              <a:t>().</a:t>
+            </a:r>
+            <a:r>
+              <a:rPr lang="en-GB" dirty="0" err="1"/>
+              <a:t>setParams</a:t>
+            </a:r>
+            <a:r>
+              <a:rPr lang="en-GB" dirty="0"/>
+              <a:t>(</a:t>
+            </a:r>
+            <a:r>
+              <a:rPr lang="en-GB" dirty="0" err="1"/>
+              <a:t>params</a:t>
+            </a:r>
+            <a:r>
+              <a:rPr lang="en-GB" dirty="0"/>
+              <a:t>));</a:t>
+            </a:r>
+            <a:br>
+              <a:rPr lang="en-GB" dirty="0"/>
+            </a:br>
+            <a:r>
+              <a:rPr lang="en-GB" dirty="0"/>
+              <a:t>        </a:t>
+            </a:r>
+            <a:r>
+              <a:rPr lang="en-GB" dirty="0" err="1"/>
+              <a:t>speedTest.setPlayer</a:t>
+            </a:r>
+            <a:r>
+              <a:rPr lang="en-GB" dirty="0"/>
+              <a:t>(</a:t>
+            </a:r>
+            <a:r>
+              <a:rPr lang="en-GB" b="1" dirty="0"/>
+              <a:t>new </a:t>
+            </a:r>
+            <a:r>
+              <a:rPr lang="en-GB" dirty="0" err="1"/>
+              <a:t>RandomAgent</a:t>
+            </a:r>
+            <a:r>
+              <a:rPr lang="en-GB" dirty="0"/>
+              <a:t>());</a:t>
+            </a:r>
+            <a:br>
+              <a:rPr lang="en-GB" dirty="0"/>
+            </a:br>
+            <a:r>
+              <a:rPr lang="en-GB" dirty="0"/>
+              <a:t>        </a:t>
+            </a:r>
+            <a:r>
+              <a:rPr lang="en-GB" b="1" dirty="0" err="1"/>
+              <a:t>int</a:t>
+            </a:r>
+            <a:r>
+              <a:rPr lang="en-GB" b="1" dirty="0"/>
+              <a:t> </a:t>
+            </a:r>
+            <a:r>
+              <a:rPr lang="en-GB" dirty="0" err="1"/>
+              <a:t>nGames</a:t>
+            </a:r>
+            <a:r>
+              <a:rPr lang="en-GB" dirty="0"/>
+              <a:t> = 10000;</a:t>
+            </a:r>
+            <a:br>
+              <a:rPr lang="en-GB" dirty="0"/>
+            </a:br>
+            <a:r>
+              <a:rPr lang="en-GB" dirty="0"/>
+              <a:t>        </a:t>
+            </a:r>
+            <a:r>
+              <a:rPr lang="en-GB" b="1" dirty="0" err="1"/>
+              <a:t>int</a:t>
+            </a:r>
+            <a:r>
+              <a:rPr lang="en-GB" b="1" dirty="0"/>
+              <a:t> </a:t>
+            </a:r>
+            <a:r>
+              <a:rPr lang="en-GB" dirty="0" err="1"/>
+              <a:t>maxSteps</a:t>
+            </a:r>
+            <a:r>
+              <a:rPr lang="en-GB" dirty="0"/>
+              <a:t> = 1000;</a:t>
+            </a:r>
+            <a:br>
+              <a:rPr lang="en-GB" dirty="0"/>
+            </a:br>
+            <a:r>
+              <a:rPr lang="en-GB" dirty="0"/>
+              <a:t>        </a:t>
+            </a:r>
+            <a:r>
+              <a:rPr lang="en-GB" dirty="0" err="1"/>
+              <a:t>speedTest.playGames</a:t>
+            </a:r>
+            <a:r>
+              <a:rPr lang="en-GB" dirty="0"/>
+              <a:t>(</a:t>
+            </a:r>
+            <a:r>
+              <a:rPr lang="en-GB" dirty="0" err="1"/>
+              <a:t>nGames</a:t>
+            </a:r>
+            <a:r>
+              <a:rPr lang="en-GB" dirty="0"/>
+              <a:t>, </a:t>
+            </a:r>
+            <a:r>
+              <a:rPr lang="en-GB" dirty="0" err="1"/>
+              <a:t>maxSteps</a:t>
+            </a:r>
+            <a:r>
+              <a:rPr lang="en-GB" dirty="0"/>
+              <a:t>).report();</a:t>
+            </a:r>
+            <a:br>
+              <a:rPr lang="en-GB" dirty="0"/>
+            </a:br>
+            <a:r>
+              <a:rPr lang="en-GB" dirty="0"/>
+              <a:t>    }</a:t>
+            </a:r>
+            <a:br>
+              <a:rPr lang="en-GB" dirty="0"/>
+            </a:br>
+            <a:r>
+              <a:rPr lang="en-GB" dirty="0"/>
+              <a:t>}</a:t>
+            </a:r>
+            <a:br>
+              <a:rPr lang="en-GB" dirty="0"/>
+            </a:br>
+            <a:endParaRPr lang="en-US" dirty="0"/>
           </a:p>
         </p:txBody>
       </p:sp>
     </p:spTree>
     <p:extLst>
       <p:ext uri="{BB962C8B-B14F-4D97-AF65-F5344CB8AC3E}">
-        <p14:creationId xmlns:p14="http://schemas.microsoft.com/office/powerpoint/2010/main" val="1512029954"/>
+        <p14:creationId xmlns:p14="http://schemas.microsoft.com/office/powerpoint/2010/main" val="2945428070"/>
       </p:ext>
     </p:extLst>
   </p:cSld>
@@ -4315,6 +4636,583 @@
     <p:extLst>
       <p:ext uri="{BB962C8B-B14F-4D97-AF65-F5344CB8AC3E}">
         <p14:creationId xmlns:p14="http://schemas.microsoft.com/office/powerpoint/2010/main" val="4145703785"/>
+      </p:ext>
+    </p:extLst>
+  </p:cSld>
+  <p:clrMapOvr>
+    <a:masterClrMapping/>
+  </p:clrMapOvr>
+</p:sld>
+</file>
+
+<file path=ppt/slides/slide6.xml><?xml version="1.0" encoding="utf-8"?>
+<p:sld xmlns:a="http://schemas.openxmlformats.org/drawingml/2006/main" xmlns:r="http://schemas.openxmlformats.org/officeDocument/2006/relationships" xmlns:p="http://schemas.openxmlformats.org/presentationml/2006/main">
+  <p:cSld>
+    <p:spTree>
+      <p:nvGrpSpPr>
+        <p:cNvPr id="1" name=""/>
+        <p:cNvGrpSpPr/>
+        <p:nvPr/>
+      </p:nvGrpSpPr>
+      <p:grpSpPr>
+        <a:xfrm>
+          <a:off x="0" y="0"/>
+          <a:ext cx="0" cy="0"/>
+          <a:chOff x="0" y="0"/>
+          <a:chExt cx="0" cy="0"/>
+        </a:xfrm>
+      </p:grpSpPr>
+      <p:sp>
+        <p:nvSpPr>
+          <p:cNvPr id="2" name="Title 1">
+            <a:extLst>
+              <a:ext uri="{FF2B5EF4-FFF2-40B4-BE49-F238E27FC236}">
+                <a16:creationId xmlns:a16="http://schemas.microsoft.com/office/drawing/2014/main" id="{BFBCEB82-D1FF-D24D-8DCB-993CE68DEC4F}"/>
+              </a:ext>
+            </a:extLst>
+          </p:cNvPr>
+          <p:cNvSpPr>
+            <a:spLocks noGrp="1"/>
+          </p:cNvSpPr>
+          <p:nvPr>
+            <p:ph type="title"/>
+          </p:nvPr>
+        </p:nvSpPr>
+        <p:spPr/>
+        <p:txBody>
+          <a:bodyPr/>
+          <a:lstStyle/>
+          <a:p>
+            <a:r>
+              <a:rPr lang="en-US" dirty="0"/>
+              <a:t>Testing</a:t>
+            </a:r>
+          </a:p>
+        </p:txBody>
+      </p:sp>
+      <p:sp>
+        <p:nvSpPr>
+          <p:cNvPr id="3" name="Content Placeholder 2">
+            <a:extLst>
+              <a:ext uri="{FF2B5EF4-FFF2-40B4-BE49-F238E27FC236}">
+                <a16:creationId xmlns:a16="http://schemas.microsoft.com/office/drawing/2014/main" id="{1E7CC7F0-14D6-E440-AFA9-B43B5C0ECACE}"/>
+              </a:ext>
+            </a:extLst>
+          </p:cNvPr>
+          <p:cNvSpPr>
+            <a:spLocks noGrp="1"/>
+          </p:cNvSpPr>
+          <p:nvPr>
+            <p:ph idx="1"/>
+          </p:nvPr>
+        </p:nvSpPr>
+        <p:spPr/>
+        <p:txBody>
+          <a:bodyPr/>
+          <a:lstStyle/>
+          <a:p>
+            <a:r>
+              <a:rPr lang="en-US" dirty="0"/>
+              <a:t>Use </a:t>
+            </a:r>
+            <a:r>
+              <a:rPr lang="en-US" dirty="0" err="1"/>
+              <a:t>SpeedTest</a:t>
+            </a:r>
+            <a:r>
+              <a:rPr lang="en-US" dirty="0"/>
+              <a:t> with and without copying</a:t>
+            </a:r>
+          </a:p>
+          <a:p>
+            <a:r>
+              <a:rPr lang="en-US" dirty="0"/>
+              <a:t>Check that copying makes no difference</a:t>
+            </a:r>
+          </a:p>
+          <a:p>
+            <a:r>
+              <a:rPr lang="en-US" dirty="0"/>
+              <a:t>I picked up a bug in Asteroids this way!</a:t>
+            </a:r>
+          </a:p>
+        </p:txBody>
+      </p:sp>
+    </p:spTree>
+    <p:extLst>
+      <p:ext uri="{BB962C8B-B14F-4D97-AF65-F5344CB8AC3E}">
+        <p14:creationId xmlns:p14="http://schemas.microsoft.com/office/powerpoint/2010/main" val="1512029954"/>
+      </p:ext>
+    </p:extLst>
+  </p:cSld>
+  <p:clrMapOvr>
+    <a:masterClrMapping/>
+  </p:clrMapOvr>
+</p:sld>
+</file>
+
+<file path=ppt/slides/slide7.xml><?xml version="1.0" encoding="utf-8"?>
+<p:sld xmlns:a="http://schemas.openxmlformats.org/drawingml/2006/main" xmlns:r="http://schemas.openxmlformats.org/officeDocument/2006/relationships" xmlns:p="http://schemas.openxmlformats.org/presentationml/2006/main">
+  <p:cSld>
+    <p:spTree>
+      <p:nvGrpSpPr>
+        <p:cNvPr id="1" name=""/>
+        <p:cNvGrpSpPr/>
+        <p:nvPr/>
+      </p:nvGrpSpPr>
+      <p:grpSpPr>
+        <a:xfrm>
+          <a:off x="0" y="0"/>
+          <a:ext cx="0" cy="0"/>
+          <a:chOff x="0" y="0"/>
+          <a:chExt cx="0" cy="0"/>
+        </a:xfrm>
+      </p:grpSpPr>
+      <p:sp>
+        <p:nvSpPr>
+          <p:cNvPr id="2" name="Title 1">
+            <a:extLst>
+              <a:ext uri="{FF2B5EF4-FFF2-40B4-BE49-F238E27FC236}">
+                <a16:creationId xmlns:a16="http://schemas.microsoft.com/office/drawing/2014/main" id="{3E8D64AC-69AA-2D4D-8880-704FA79D1F9B}"/>
+              </a:ext>
+            </a:extLst>
+          </p:cNvPr>
+          <p:cNvSpPr>
+            <a:spLocks noGrp="1"/>
+          </p:cNvSpPr>
+          <p:nvPr>
+            <p:ph type="title"/>
+          </p:nvPr>
+        </p:nvSpPr>
+        <p:spPr/>
+        <p:txBody>
+          <a:bodyPr/>
+          <a:lstStyle/>
+          <a:p>
+            <a:r>
+              <a:rPr lang="en-GB" dirty="0"/>
+              <a:t>Serialisation</a:t>
+            </a:r>
+            <a:endParaRPr lang="en-US" dirty="0"/>
+          </a:p>
+        </p:txBody>
+      </p:sp>
+      <p:sp>
+        <p:nvSpPr>
+          <p:cNvPr id="3" name="Content Placeholder 2">
+            <a:extLst>
+              <a:ext uri="{FF2B5EF4-FFF2-40B4-BE49-F238E27FC236}">
+                <a16:creationId xmlns:a16="http://schemas.microsoft.com/office/drawing/2014/main" id="{D177978B-06AE-1C45-8C1F-AA84C4902AD9}"/>
+              </a:ext>
+            </a:extLst>
+          </p:cNvPr>
+          <p:cNvSpPr>
+            <a:spLocks noGrp="1"/>
+          </p:cNvSpPr>
+          <p:nvPr>
+            <p:ph idx="1"/>
+          </p:nvPr>
+        </p:nvSpPr>
+        <p:spPr/>
+        <p:txBody>
+          <a:bodyPr>
+            <a:normAutofit fontScale="85000" lnSpcReduction="20000"/>
+          </a:bodyPr>
+          <a:lstStyle/>
+          <a:p>
+            <a:pPr marL="0" indent="0">
+              <a:buNone/>
+            </a:pPr>
+            <a:r>
+              <a:rPr lang="en-GB" b="1" dirty="0"/>
+              <a:t>public class </a:t>
+            </a:r>
+            <a:r>
+              <a:rPr lang="en-GB" dirty="0" err="1"/>
+              <a:t>CaveGameJsonTest</a:t>
+            </a:r>
+            <a:r>
+              <a:rPr lang="en-GB" dirty="0"/>
+              <a:t> {</a:t>
+            </a:r>
+            <a:br>
+              <a:rPr lang="en-GB" dirty="0"/>
+            </a:br>
+            <a:r>
+              <a:rPr lang="en-GB" dirty="0"/>
+              <a:t>    </a:t>
+            </a:r>
+            <a:r>
+              <a:rPr lang="en-GB" b="1" dirty="0"/>
+              <a:t>public static void </a:t>
+            </a:r>
+            <a:r>
+              <a:rPr lang="en-GB" dirty="0"/>
+              <a:t>main(String[] </a:t>
+            </a:r>
+            <a:r>
+              <a:rPr lang="en-GB" dirty="0" err="1"/>
+              <a:t>args</a:t>
+            </a:r>
+            <a:r>
+              <a:rPr lang="en-GB" dirty="0"/>
+              <a:t>) {</a:t>
+            </a:r>
+            <a:br>
+              <a:rPr lang="en-GB" dirty="0"/>
+            </a:br>
+            <a:r>
+              <a:rPr lang="en-GB" dirty="0"/>
+              <a:t>        </a:t>
+            </a:r>
+            <a:r>
+              <a:rPr lang="en-GB" dirty="0" err="1"/>
+              <a:t>CaveSwingParams</a:t>
+            </a:r>
+            <a:r>
+              <a:rPr lang="en-GB" dirty="0"/>
+              <a:t> </a:t>
+            </a:r>
+            <a:r>
+              <a:rPr lang="en-GB" dirty="0" err="1"/>
+              <a:t>params</a:t>
+            </a:r>
+            <a:r>
+              <a:rPr lang="en-GB" dirty="0"/>
+              <a:t> = </a:t>
+            </a:r>
+            <a:r>
+              <a:rPr lang="en-GB" b="1" dirty="0"/>
+              <a:t>new </a:t>
+            </a:r>
+            <a:r>
+              <a:rPr lang="en-GB" dirty="0" err="1"/>
+              <a:t>CaveSwingParams</a:t>
+            </a:r>
+            <a:r>
+              <a:rPr lang="en-GB" dirty="0"/>
+              <a:t>();</a:t>
+            </a:r>
+            <a:br>
+              <a:rPr lang="en-GB" dirty="0"/>
+            </a:br>
+            <a:r>
+              <a:rPr lang="en-GB" dirty="0"/>
+              <a:t>        </a:t>
+            </a:r>
+            <a:r>
+              <a:rPr lang="en-GB" dirty="0" err="1"/>
+              <a:t>params.</a:t>
+            </a:r>
+            <a:r>
+              <a:rPr lang="en-GB" b="1" dirty="0" err="1"/>
+              <a:t>gravity</a:t>
+            </a:r>
+            <a:r>
+              <a:rPr lang="en-GB" dirty="0" err="1"/>
+              <a:t>.</a:t>
+            </a:r>
+            <a:r>
+              <a:rPr lang="en-GB" b="1" dirty="0" err="1"/>
+              <a:t>y</a:t>
+            </a:r>
+            <a:r>
+              <a:rPr lang="en-GB" b="1" dirty="0"/>
+              <a:t> </a:t>
+            </a:r>
+            <a:r>
+              <a:rPr lang="en-GB" dirty="0"/>
+              <a:t>= -1.0;</a:t>
+            </a:r>
+            <a:br>
+              <a:rPr lang="en-GB" dirty="0"/>
+            </a:br>
+            <a:r>
+              <a:rPr lang="en-GB" dirty="0"/>
+              <a:t>        </a:t>
+            </a:r>
+            <a:r>
+              <a:rPr lang="en-GB" dirty="0" err="1"/>
+              <a:t>params.</a:t>
+            </a:r>
+            <a:r>
+              <a:rPr lang="en-GB" b="1" dirty="0" err="1"/>
+              <a:t>gravity</a:t>
+            </a:r>
+            <a:r>
+              <a:rPr lang="en-GB" dirty="0" err="1"/>
+              <a:t>.</a:t>
+            </a:r>
+            <a:r>
+              <a:rPr lang="en-GB" b="1" dirty="0" err="1"/>
+              <a:t>x</a:t>
+            </a:r>
+            <a:r>
+              <a:rPr lang="en-GB" b="1" dirty="0"/>
+              <a:t> </a:t>
+            </a:r>
+            <a:r>
+              <a:rPr lang="en-GB" dirty="0"/>
+              <a:t>= 0.5;</a:t>
+            </a:r>
+            <a:br>
+              <a:rPr lang="en-GB" dirty="0"/>
+            </a:br>
+            <a:r>
+              <a:rPr lang="en-GB" dirty="0"/>
+              <a:t>        </a:t>
+            </a:r>
+            <a:r>
+              <a:rPr lang="en-GB" dirty="0" err="1"/>
+              <a:t>CaveGameState</a:t>
+            </a:r>
+            <a:r>
+              <a:rPr lang="en-GB" dirty="0"/>
+              <a:t> </a:t>
+            </a:r>
+            <a:r>
+              <a:rPr lang="en-GB" dirty="0" err="1"/>
+              <a:t>gameState</a:t>
+            </a:r>
+            <a:r>
+              <a:rPr lang="en-GB" dirty="0"/>
+              <a:t> = </a:t>
+            </a:r>
+            <a:r>
+              <a:rPr lang="en-GB" b="1" dirty="0"/>
+              <a:t>new </a:t>
+            </a:r>
+            <a:r>
+              <a:rPr lang="en-GB" dirty="0" err="1"/>
+              <a:t>CaveGameState</a:t>
+            </a:r>
+            <a:r>
+              <a:rPr lang="en-GB" dirty="0"/>
+              <a:t>().</a:t>
+            </a:r>
+            <a:r>
+              <a:rPr lang="en-GB" dirty="0" err="1"/>
+              <a:t>setParams</a:t>
+            </a:r>
+            <a:r>
+              <a:rPr lang="en-GB" dirty="0"/>
+              <a:t>(</a:t>
+            </a:r>
+            <a:r>
+              <a:rPr lang="en-GB" dirty="0" err="1"/>
+              <a:t>params</a:t>
+            </a:r>
+            <a:r>
+              <a:rPr lang="en-GB" dirty="0"/>
+              <a:t>).setup();</a:t>
+            </a:r>
+            <a:br>
+              <a:rPr lang="en-GB" dirty="0"/>
+            </a:br>
+            <a:r>
+              <a:rPr lang="en-GB" dirty="0"/>
+              <a:t>        </a:t>
+            </a:r>
+            <a:r>
+              <a:rPr lang="en-GB" dirty="0" err="1"/>
+              <a:t>Gson</a:t>
+            </a:r>
+            <a:r>
+              <a:rPr lang="en-GB" dirty="0"/>
+              <a:t> </a:t>
+            </a:r>
+            <a:r>
+              <a:rPr lang="en-GB" dirty="0" err="1"/>
+              <a:t>gson</a:t>
+            </a:r>
+            <a:r>
+              <a:rPr lang="en-GB" dirty="0"/>
+              <a:t> = </a:t>
+            </a:r>
+            <a:r>
+              <a:rPr lang="en-GB" b="1" dirty="0"/>
+              <a:t>new </a:t>
+            </a:r>
+            <a:r>
+              <a:rPr lang="en-GB" dirty="0" err="1"/>
+              <a:t>Gson</a:t>
+            </a:r>
+            <a:r>
+              <a:rPr lang="en-GB" dirty="0"/>
+              <a:t>();</a:t>
+            </a:r>
+            <a:br>
+              <a:rPr lang="en-GB" dirty="0"/>
+            </a:br>
+            <a:r>
+              <a:rPr lang="en-GB" dirty="0"/>
+              <a:t>        </a:t>
+            </a:r>
+            <a:r>
+              <a:rPr lang="en-GB" dirty="0" err="1"/>
+              <a:t>System.</a:t>
+            </a:r>
+            <a:r>
+              <a:rPr lang="en-GB" b="1" i="1" dirty="0" err="1"/>
+              <a:t>out</a:t>
+            </a:r>
+            <a:r>
+              <a:rPr lang="en-GB" dirty="0" err="1"/>
+              <a:t>.println</a:t>
+            </a:r>
+            <a:r>
+              <a:rPr lang="en-GB" dirty="0"/>
+              <a:t>(</a:t>
+            </a:r>
+            <a:r>
+              <a:rPr lang="en-GB" b="1" dirty="0"/>
+              <a:t>"Serialising..."</a:t>
+            </a:r>
+            <a:r>
+              <a:rPr lang="en-GB" dirty="0"/>
+              <a:t>);</a:t>
+            </a:r>
+            <a:br>
+              <a:rPr lang="en-GB" dirty="0"/>
+            </a:br>
+            <a:r>
+              <a:rPr lang="en-GB" dirty="0"/>
+              <a:t>        String </a:t>
+            </a:r>
+            <a:r>
+              <a:rPr lang="en-GB" dirty="0" err="1"/>
+              <a:t>json</a:t>
+            </a:r>
+            <a:r>
+              <a:rPr lang="en-GB" dirty="0"/>
+              <a:t> = </a:t>
+            </a:r>
+            <a:r>
+              <a:rPr lang="en-GB" dirty="0" err="1"/>
+              <a:t>gson.toJson</a:t>
+            </a:r>
+            <a:r>
+              <a:rPr lang="en-GB" dirty="0"/>
+              <a:t>(</a:t>
+            </a:r>
+            <a:r>
+              <a:rPr lang="en-GB" dirty="0" err="1"/>
+              <a:t>gameState</a:t>
+            </a:r>
+            <a:r>
+              <a:rPr lang="en-GB" dirty="0"/>
+              <a:t>);</a:t>
+            </a:r>
+            <a:br>
+              <a:rPr lang="en-GB" dirty="0"/>
+            </a:br>
+            <a:r>
+              <a:rPr lang="en-GB" dirty="0"/>
+              <a:t>        </a:t>
+            </a:r>
+            <a:r>
+              <a:rPr lang="en-GB" dirty="0" err="1"/>
+              <a:t>System.</a:t>
+            </a:r>
+            <a:r>
+              <a:rPr lang="en-GB" b="1" i="1" dirty="0" err="1"/>
+              <a:t>out</a:t>
+            </a:r>
+            <a:r>
+              <a:rPr lang="en-GB" dirty="0" err="1"/>
+              <a:t>.println</a:t>
+            </a:r>
+            <a:r>
+              <a:rPr lang="en-GB" dirty="0"/>
+              <a:t>(</a:t>
+            </a:r>
+            <a:r>
+              <a:rPr lang="en-GB" dirty="0" err="1"/>
+              <a:t>json</a:t>
+            </a:r>
+            <a:r>
+              <a:rPr lang="en-GB" dirty="0"/>
+              <a:t>);</a:t>
+            </a:r>
+            <a:br>
+              <a:rPr lang="en-GB" dirty="0"/>
+            </a:br>
+            <a:r>
+              <a:rPr lang="en-GB" dirty="0"/>
+              <a:t>        </a:t>
+            </a:r>
+            <a:r>
+              <a:rPr lang="en-GB" dirty="0" err="1"/>
+              <a:t>System.</a:t>
+            </a:r>
+            <a:r>
+              <a:rPr lang="en-GB" b="1" i="1" dirty="0" err="1"/>
+              <a:t>out</a:t>
+            </a:r>
+            <a:r>
+              <a:rPr lang="en-GB" dirty="0" err="1"/>
+              <a:t>.println</a:t>
+            </a:r>
+            <a:r>
+              <a:rPr lang="en-GB" dirty="0"/>
+              <a:t>();</a:t>
+            </a:r>
+            <a:br>
+              <a:rPr lang="en-GB" dirty="0"/>
+            </a:br>
+            <a:r>
+              <a:rPr lang="en-GB" dirty="0"/>
+              <a:t>        </a:t>
+            </a:r>
+            <a:r>
+              <a:rPr lang="en-GB" dirty="0" err="1"/>
+              <a:t>System.</a:t>
+            </a:r>
+            <a:r>
+              <a:rPr lang="en-GB" b="1" i="1" dirty="0" err="1"/>
+              <a:t>out</a:t>
+            </a:r>
+            <a:r>
+              <a:rPr lang="en-GB" dirty="0" err="1"/>
+              <a:t>.println</a:t>
+            </a:r>
+            <a:r>
+              <a:rPr lang="en-GB" dirty="0"/>
+              <a:t>(</a:t>
+            </a:r>
+            <a:r>
+              <a:rPr lang="en-GB" dirty="0" err="1"/>
+              <a:t>json.length</a:t>
+            </a:r>
+            <a:r>
+              <a:rPr lang="en-GB" dirty="0"/>
+              <a:t>());</a:t>
+            </a:r>
+            <a:br>
+              <a:rPr lang="en-GB" dirty="0"/>
+            </a:br>
+            <a:r>
+              <a:rPr lang="en-GB" dirty="0"/>
+              <a:t>    }</a:t>
+            </a:r>
+            <a:br>
+              <a:rPr lang="en-GB" dirty="0"/>
+            </a:br>
+            <a:r>
+              <a:rPr lang="en-GB" dirty="0"/>
+              <a:t>}</a:t>
+            </a:r>
+            <a:br>
+              <a:rPr lang="en-GB" dirty="0"/>
+            </a:br>
+            <a:endParaRPr lang="en-US" dirty="0"/>
+          </a:p>
+        </p:txBody>
+      </p:sp>
+    </p:spTree>
+    <p:extLst>
+      <p:ext uri="{BB962C8B-B14F-4D97-AF65-F5344CB8AC3E}">
+        <p14:creationId xmlns:p14="http://schemas.microsoft.com/office/powerpoint/2010/main" val="2269065610"/>
       </p:ext>
     </p:extLst>
   </p:cSld>
